--- a/java-intro.pptx
+++ b/java-intro.pptx
@@ -3707,7 +3707,7 @@
           <a:p>
             <a:r>
               <a:rPr lang="en-US" dirty="0"/>
-              <a:t>Git</a:t>
+              <a:t>Git Intro</a:t>
             </a:r>
           </a:p>
         </p:txBody>
